--- a/project_01/docs/Yu_ENGI301_project_01_proposal.pptx
+++ b/project_01/docs/Yu_ENGI301_project_01_proposal.pptx
@@ -218,7 +218,7 @@
           <a:p>
             <a:fld id="{59041DB8-B66F-4DC8-A96E-33677E0F90FF}" type="datetimeFigureOut">
               <a:rPr lang="en-US" smtClean="0"/>
-              <a:t>9/25/2023</a:t>
+              <a:t>10/1/2023</a:t>
             </a:fld>
             <a:endParaRPr lang="en-US" dirty="0"/>
           </a:p>
@@ -383,7 +383,7 @@
           <a:p>
             <a:fld id="{DEB49C4A-65AC-492D-9701-81B46C3AD0E4}" type="datetimeFigureOut">
               <a:rPr lang="en-US" smtClean="0"/>
-              <a:t>9/25/2023</a:t>
+              <a:t>10/1/2023</a:t>
             </a:fld>
             <a:endParaRPr lang="en-US" dirty="0"/>
           </a:p>
@@ -2875,7 +2875,7 @@
           <a:p>
             <a:fld id="{384A29A4-78C8-47AB-BA06-22CB45938951}" type="datetime1">
               <a:rPr lang="en-US" smtClean="0"/>
-              <a:t>9/25/2023</a:t>
+              <a:t>10/1/2023</a:t>
             </a:fld>
             <a:endParaRPr lang="en-US" dirty="0"/>
           </a:p>
@@ -3070,7 +3070,7 @@
           <a:p>
             <a:fld id="{E1ED4ACF-2D82-46F2-A8E9-23963AA34E86}" type="datetime1">
               <a:rPr lang="en-US" smtClean="0"/>
-              <a:t>9/25/2023</a:t>
+              <a:t>10/1/2023</a:t>
             </a:fld>
             <a:endParaRPr lang="en-US" dirty="0"/>
           </a:p>
@@ -3264,7 +3264,7 @@
           <a:p>
             <a:fld id="{AE374B5B-21A0-4192-BF4C-38187F1A68D8}" type="datetime1">
               <a:rPr lang="en-US" smtClean="0"/>
-              <a:t>9/25/2023</a:t>
+              <a:t>10/1/2023</a:t>
             </a:fld>
             <a:endParaRPr lang="en-US" dirty="0"/>
           </a:p>
@@ -5605,7 +5605,7 @@
           <a:p>
             <a:fld id="{33B5CF7C-B333-48E1-A4A6-83A3C8B73AC0}" type="datetime1">
               <a:rPr lang="en-US" smtClean="0"/>
-              <a:t>9/25/2023</a:t>
+              <a:t>10/1/2023</a:t>
             </a:fld>
             <a:endParaRPr lang="en-US" dirty="0"/>
           </a:p>
@@ -6058,7 +6058,7 @@
           <a:p>
             <a:fld id="{AE320762-5CBF-4210-AB54-376B091119F8}" type="datetime1">
               <a:rPr lang="en-US" smtClean="0"/>
-              <a:t>9/25/2023</a:t>
+              <a:t>10/1/2023</a:t>
             </a:fld>
             <a:endParaRPr lang="en-US" dirty="0"/>
           </a:p>
@@ -6190,7 +6190,7 @@
           <a:p>
             <a:fld id="{7F0DB371-BF5F-4058-A212-1A908E4D2674}" type="datetime1">
               <a:rPr lang="en-US" smtClean="0"/>
-              <a:t>9/25/2023</a:t>
+              <a:t>10/1/2023</a:t>
             </a:fld>
             <a:endParaRPr lang="en-US" dirty="0"/>
           </a:p>
@@ -8123,7 +8123,7 @@
           <a:p>
             <a:fld id="{60A4083B-90AA-48CF-BAD5-00AA24D7F288}" type="datetime1">
               <a:rPr lang="en-US" smtClean="0"/>
-              <a:t>9/25/2023</a:t>
+              <a:t>10/1/2023</a:t>
             </a:fld>
             <a:endParaRPr lang="en-US" dirty="0"/>
           </a:p>
@@ -10382,7 +10382,7 @@
             <a:fld id="{F5BAF629-ECA2-4CF3-B790-9D9BDED98269}" type="datetime1">
               <a:rPr lang="en-US" smtClean="0"/>
               <a:pPr/>
-              <a:t>9/25/2023</a:t>
+              <a:t>10/1/2023</a:t>
             </a:fld>
             <a:endParaRPr lang="en-US" dirty="0"/>
           </a:p>
@@ -14677,7 +14677,7 @@
             <a:fld id="{B51B2453-8663-4C69-AF73-9FD7B1DEC5D0}" type="datetime1">
               <a:rPr lang="en-US" smtClean="0"/>
               <a:pPr/>
-              <a:t>9/25/2023</a:t>
+              <a:t>10/1/2023</a:t>
             </a:fld>
             <a:endParaRPr lang="en-US" dirty="0"/>
           </a:p>
@@ -15301,12 +15301,12 @@
         <p:spPr>
           <a:xfrm>
             <a:off x="609600" y="1295400"/>
-            <a:ext cx="8001000" cy="4724399"/>
+            <a:ext cx="8001000" cy="4914900"/>
           </a:xfrm>
         </p:spPr>
         <p:txBody>
           <a:bodyPr>
-            <a:normAutofit fontScale="92500" lnSpcReduction="20000"/>
+            <a:normAutofit fontScale="85000" lnSpcReduction="10000"/>
           </a:bodyPr>
           <a:lstStyle/>
           <a:p>
@@ -15398,19 +15398,15 @@
           <a:p>
             <a:r>
               <a:rPr lang="en-US" dirty="0"/>
-              <a:t>Improvements / additions over existing project</a:t>
+              <a:t> Improvements/additions over existing project</a:t>
             </a:r>
           </a:p>
           <a:p>
             <a:pPr lvl="1"/>
             <a:r>
               <a:rPr lang="en-US" dirty="0"/>
-              <a:t>This project takes inspiration from Candy Game Box’s </a:t>
+              <a:t>This project will allow users to play Set and dispense premeasured amounts of candy. The software will be customized to allow the user to choose how frequently they want to play, time limits, etc. There will also be a sensor for when to refill the candy. </a:t>
             </a:r>
-          </a:p>
-          <a:p>
-            <a:pPr lvl="1"/>
-            <a:endParaRPr lang="en-US" dirty="0"/>
           </a:p>
         </p:txBody>
       </p:sp>
@@ -15490,8 +15486,8 @@
         </p:blipFill>
         <p:spPr bwMode="auto">
           <a:xfrm>
-            <a:off x="7181850" y="3962400"/>
-            <a:ext cx="2324100" cy="1917516"/>
+            <a:off x="7154607" y="3238500"/>
+            <a:ext cx="2141793" cy="1767103"/>
           </a:xfrm>
           <a:prstGeom prst="rect">
             <a:avLst/>
@@ -15655,10 +15651,10 @@
       </p:sp>
       <p:pic>
         <p:nvPicPr>
-          <p:cNvPr id="8" name="Content Placeholder 7" descr="A screenshot of a computer&#10;&#10;Description automatically generated">
+          <p:cNvPr id="11" name="Content Placeholder 10" descr="A screenshot of a computer&#10;&#10;Description automatically generated">
             <a:extLst>
               <a:ext uri="{FF2B5EF4-FFF2-40B4-BE49-F238E27FC236}">
-                <a16:creationId xmlns:a16="http://schemas.microsoft.com/office/drawing/2014/main" id="{4AFAA608-DD7F-727A-0381-4C6602A0B6F6}"/>
+                <a16:creationId xmlns:a16="http://schemas.microsoft.com/office/drawing/2014/main" id="{C706B49D-9C65-8776-CEB6-4BEFE8F03D53}"/>
               </a:ext>
             </a:extLst>
           </p:cNvPr>
@@ -15671,13 +15667,13 @@
         </p:nvPicPr>
         <p:blipFill rotWithShape="1">
           <a:blip r:embed="rId2"/>
-          <a:srcRect l="7281" t="21774" r="3818" b="52419"/>
+          <a:srcRect l="2663" t="22581" r="3817" b="52419"/>
           <a:stretch/>
         </p:blipFill>
         <p:spPr>
           <a:xfrm>
-            <a:off x="1409700" y="1600200"/>
-            <a:ext cx="9626203" cy="4000500"/>
+            <a:off x="919316" y="1676400"/>
+            <a:ext cx="10353368" cy="3962400"/>
           </a:xfrm>
         </p:spPr>
       </p:pic>
@@ -15751,12 +15747,37 @@
           </a:p>
         </p:txBody>
       </p:sp>
+      <p:sp>
+        <p:nvSpPr>
+          <p:cNvPr id="5" name="Content Placeholder 4">
+            <a:extLst>
+              <a:ext uri="{FF2B5EF4-FFF2-40B4-BE49-F238E27FC236}">
+                <a16:creationId xmlns:a16="http://schemas.microsoft.com/office/drawing/2014/main" id="{4783A710-86B0-5AB4-36F1-3B77FBC7BD19}"/>
+              </a:ext>
+            </a:extLst>
+          </p:cNvPr>
+          <p:cNvSpPr>
+            <a:spLocks noGrp="1"/>
+          </p:cNvSpPr>
+          <p:nvPr>
+            <p:ph idx="1"/>
+          </p:nvPr>
+        </p:nvSpPr>
+        <p:spPr/>
+        <p:txBody>
+          <a:bodyPr/>
+          <a:lstStyle/>
+          <a:p>
+            <a:endParaRPr lang="en-US" dirty="0"/>
+          </a:p>
+        </p:txBody>
+      </p:sp>
       <p:pic>
         <p:nvPicPr>
-          <p:cNvPr id="6" name="Picture 5" descr="A screenshot of a computer&#10;&#10;Description automatically generated">
+          <p:cNvPr id="7" name="Content Placeholder 10" descr="A screenshot of a computer&#10;&#10;Description automatically generated">
             <a:extLst>
               <a:ext uri="{FF2B5EF4-FFF2-40B4-BE49-F238E27FC236}">
-                <a16:creationId xmlns:a16="http://schemas.microsoft.com/office/drawing/2014/main" id="{76576450-7A19-792A-B312-D279B95D74BD}"/>
+                <a16:creationId xmlns:a16="http://schemas.microsoft.com/office/drawing/2014/main" id="{6B43BF23-0554-2198-621C-1DB93B1FB380}"/>
               </a:ext>
             </a:extLst>
           </p:cNvPr>
@@ -15767,13 +15788,13 @@
         </p:nvPicPr>
         <p:blipFill rotWithShape="1">
           <a:blip r:embed="rId2"/>
-          <a:srcRect l="7159" t="62778" r="10123" b="12222"/>
+          <a:srcRect l="4972" t="63263" r="9591" b="12097"/>
           <a:stretch/>
         </p:blipFill>
         <p:spPr>
           <a:xfrm>
-            <a:off x="1562100" y="1638300"/>
-            <a:ext cx="9220200" cy="3989509"/>
+            <a:off x="1181100" y="1628289"/>
+            <a:ext cx="9829800" cy="4058620"/>
           </a:xfrm>
           <a:prstGeom prst="rect">
             <a:avLst/>
@@ -15866,14 +15887,14 @@
             <p:ph idx="1"/>
             <p:extLst>
               <p:ext uri="{D42A27DB-BD31-4B8C-83A1-F6EECF244321}">
-                <p14:modId xmlns:p14="http://schemas.microsoft.com/office/powerpoint/2010/main" val="1395020688"/>
+                <p14:modId xmlns:p14="http://schemas.microsoft.com/office/powerpoint/2010/main" val="2573499066"/>
               </p:ext>
             </p:extLst>
           </p:nvPr>
         </p:nvGraphicFramePr>
         <p:xfrm>
           <a:off x="609600" y="1295400"/>
-          <a:ext cx="10972800" cy="3337560"/>
+          <a:ext cx="10972800" cy="3708400"/>
         </p:xfrm>
         <a:graphic>
           <a:graphicData uri="http://schemas.openxmlformats.org/drawingml/2006/table">
@@ -16018,7 +16039,7 @@
                         <a:rPr lang="en-US" dirty="0">
                           <a:hlinkClick r:id="rId3"/>
                         </a:rPr>
-                        <a:t>Adafruit SPI Screen - 2.8" TFT LCD w/Touchscreen Breakout Board</a:t>
+                        <a:t>4 inch LCD Display</a:t>
                       </a:r>
                       <a:r>
                         <a:rPr lang="en-US" dirty="0"/>
@@ -16048,7 +16069,7 @@
                     <a:p>
                       <a:r>
                         <a:rPr lang="en-US" dirty="0"/>
-                        <a:t>$29.95</a:t>
+                        <a:t>$21.69</a:t>
                       </a:r>
                     </a:p>
                   </a:txBody>
@@ -16128,7 +16149,7 @@
                         <a:rPr lang="en-US" dirty="0">
                           <a:hlinkClick r:id="rId5"/>
                         </a:rPr>
-                        <a:t>Amazon - Stepper Motor</a:t>
+                        <a:t>Amazon - Servo Motor</a:t>
                       </a:r>
                       <a:r>
                         <a:rPr lang="en-US" dirty="0"/>
@@ -16158,7 +16179,7 @@
                     <a:p>
                       <a:r>
                         <a:rPr lang="en-US" dirty="0"/>
-                        <a:t>$8.99</a:t>
+                        <a:t>$25.99</a:t>
                       </a:r>
                     </a:p>
                   </a:txBody>
@@ -16167,6 +16188,55 @@
                 <a:extLst>
                   <a:ext uri="{0D108BD9-81ED-4DB2-BD59-A6C34878D82A}">
                     <a16:rowId xmlns:a16="http://schemas.microsoft.com/office/drawing/2014/main" val="3862840897"/>
+                  </a:ext>
+                </a:extLst>
+              </a:tr>
+              <a:tr h="370840">
+                <a:tc>
+                  <a:txBody>
+                    <a:bodyPr/>
+                    <a:lstStyle/>
+                    <a:p>
+                      <a:r>
+                        <a:rPr lang="en-US" dirty="0">
+                          <a:hlinkClick r:id="rId6"/>
+                        </a:rPr>
+                        <a:t>Adafruit - IR Break Beam Sensor</a:t>
+                      </a:r>
+                      <a:endParaRPr lang="en-US" dirty="0"/>
+                    </a:p>
+                  </a:txBody>
+                  <a:tcPr/>
+                </a:tc>
+                <a:tc>
+                  <a:txBody>
+                    <a:bodyPr/>
+                    <a:lstStyle/>
+                    <a:p>
+                      <a:r>
+                        <a:rPr lang="en-US" dirty="0"/>
+                        <a:t>1</a:t>
+                      </a:r>
+                    </a:p>
+                  </a:txBody>
+                  <a:tcPr/>
+                </a:tc>
+                <a:tc>
+                  <a:txBody>
+                    <a:bodyPr/>
+                    <a:lstStyle/>
+                    <a:p>
+                      <a:r>
+                        <a:rPr lang="en-US" dirty="0"/>
+                        <a:t>$6.49</a:t>
+                      </a:r>
+                    </a:p>
+                  </a:txBody>
+                  <a:tcPr/>
+                </a:tc>
+                <a:extLst>
+                  <a:ext uri="{0D108BD9-81ED-4DB2-BD59-A6C34878D82A}">
+                    <a16:rowId xmlns:a16="http://schemas.microsoft.com/office/drawing/2014/main" val="3460903709"/>
                   </a:ext>
                 </a:extLst>
               </a:tr>
